--- a/proposal/High Performance Computing.pptx
+++ b/proposal/High Performance Computing.pptx
@@ -105,6 +105,11 @@
       </a:defRPr>
     </a:lvl9pPr>
   </p:defaultTextStyle>
+  <p:extLst>
+    <p:ext uri="{EFAFB233-063F-42B5-8137-9DF3F51BA10A}">
+      <p15:sldGuideLst xmlns:p15="http://schemas.microsoft.com/office/powerpoint/2012/main"/>
+    </p:ext>
+  </p:extLst>
 </p:presentation>
 </file>
 
@@ -257,7 +262,7 @@
           <a:p>
             <a:fld id="{5074B4E3-A06D-4524-89DA-153CD7026BD8}" type="datetimeFigureOut">
               <a:rPr lang="en-IN" smtClean="0"/>
-              <a:t>09-04-2020</a:t>
+              <a:t>05-05-2020</a:t>
             </a:fld>
             <a:endParaRPr lang="en-IN"/>
           </a:p>
@@ -457,7 +462,7 @@
           <a:p>
             <a:fld id="{5074B4E3-A06D-4524-89DA-153CD7026BD8}" type="datetimeFigureOut">
               <a:rPr lang="en-IN" smtClean="0"/>
-              <a:t>09-04-2020</a:t>
+              <a:t>05-05-2020</a:t>
             </a:fld>
             <a:endParaRPr lang="en-IN"/>
           </a:p>
@@ -667,7 +672,7 @@
           <a:p>
             <a:fld id="{5074B4E3-A06D-4524-89DA-153CD7026BD8}" type="datetimeFigureOut">
               <a:rPr lang="en-IN" smtClean="0"/>
-              <a:t>09-04-2020</a:t>
+              <a:t>05-05-2020</a:t>
             </a:fld>
             <a:endParaRPr lang="en-IN"/>
           </a:p>
@@ -867,7 +872,7 @@
           <a:p>
             <a:fld id="{5074B4E3-A06D-4524-89DA-153CD7026BD8}" type="datetimeFigureOut">
               <a:rPr lang="en-IN" smtClean="0"/>
-              <a:t>09-04-2020</a:t>
+              <a:t>05-05-2020</a:t>
             </a:fld>
             <a:endParaRPr lang="en-IN"/>
           </a:p>
@@ -1143,7 +1148,7 @@
           <a:p>
             <a:fld id="{5074B4E3-A06D-4524-89DA-153CD7026BD8}" type="datetimeFigureOut">
               <a:rPr lang="en-IN" smtClean="0"/>
-              <a:t>09-04-2020</a:t>
+              <a:t>05-05-2020</a:t>
             </a:fld>
             <a:endParaRPr lang="en-IN"/>
           </a:p>
@@ -1411,7 +1416,7 @@
           <a:p>
             <a:fld id="{5074B4E3-A06D-4524-89DA-153CD7026BD8}" type="datetimeFigureOut">
               <a:rPr lang="en-IN" smtClean="0"/>
-              <a:t>09-04-2020</a:t>
+              <a:t>05-05-2020</a:t>
             </a:fld>
             <a:endParaRPr lang="en-IN"/>
           </a:p>
@@ -1826,7 +1831,7 @@
           <a:p>
             <a:fld id="{5074B4E3-A06D-4524-89DA-153CD7026BD8}" type="datetimeFigureOut">
               <a:rPr lang="en-IN" smtClean="0"/>
-              <a:t>09-04-2020</a:t>
+              <a:t>05-05-2020</a:t>
             </a:fld>
             <a:endParaRPr lang="en-IN"/>
           </a:p>
@@ -1968,7 +1973,7 @@
           <a:p>
             <a:fld id="{5074B4E3-A06D-4524-89DA-153CD7026BD8}" type="datetimeFigureOut">
               <a:rPr lang="en-IN" smtClean="0"/>
-              <a:t>09-04-2020</a:t>
+              <a:t>05-05-2020</a:t>
             </a:fld>
             <a:endParaRPr lang="en-IN"/>
           </a:p>
@@ -2081,7 +2086,7 @@
           <a:p>
             <a:fld id="{5074B4E3-A06D-4524-89DA-153CD7026BD8}" type="datetimeFigureOut">
               <a:rPr lang="en-IN" smtClean="0"/>
-              <a:t>09-04-2020</a:t>
+              <a:t>05-05-2020</a:t>
             </a:fld>
             <a:endParaRPr lang="en-IN"/>
           </a:p>
@@ -2394,7 +2399,7 @@
           <a:p>
             <a:fld id="{5074B4E3-A06D-4524-89DA-153CD7026BD8}" type="datetimeFigureOut">
               <a:rPr lang="en-IN" smtClean="0"/>
-              <a:t>09-04-2020</a:t>
+              <a:t>05-05-2020</a:t>
             </a:fld>
             <a:endParaRPr lang="en-IN"/>
           </a:p>
@@ -2683,7 +2688,7 @@
           <a:p>
             <a:fld id="{5074B4E3-A06D-4524-89DA-153CD7026BD8}" type="datetimeFigureOut">
               <a:rPr lang="en-IN" smtClean="0"/>
-              <a:t>09-04-2020</a:t>
+              <a:t>05-05-2020</a:t>
             </a:fld>
             <a:endParaRPr lang="en-IN"/>
           </a:p>
@@ -2926,7 +2931,7 @@
           <a:p>
             <a:fld id="{5074B4E3-A06D-4524-89DA-153CD7026BD8}" type="datetimeFigureOut">
               <a:rPr lang="en-IN" smtClean="0"/>
-              <a:t>09-04-2020</a:t>
+              <a:t>05-05-2020</a:t>
             </a:fld>
             <a:endParaRPr lang="en-IN"/>
           </a:p>
@@ -3487,7 +3492,9 @@
           </a:xfrm>
         </p:spPr>
         <p:txBody>
-          <a:bodyPr/>
+          <a:bodyPr>
+            <a:normAutofit/>
+          </a:bodyPr>
           <a:lstStyle/>
           <a:p>
             <a:r>
@@ -3504,35 +3511,30 @@
           <a:p>
             <a:r>
               <a:rPr lang="en-IN" dirty="0"/>
-              <a:t>Example: Identifying Target String using Random String </a:t>
-            </a:r>
-          </a:p>
-          <a:p>
+              <a:t>PROBLEMS(Goals): </a:t>
+            </a:r>
+          </a:p>
+          <a:p>
+            <a:pPr lvl="1"/>
             <a:r>
               <a:rPr lang="en-IN" dirty="0"/>
-              <a:t>Other Problems (Goals):</a:t>
+              <a:t>String Matching - Identifying Target String using Random String</a:t>
             </a:r>
           </a:p>
           <a:p>
             <a:pPr lvl="1"/>
             <a:r>
               <a:rPr lang="en-IN" dirty="0"/>
-              <a:t>Finding the best weights for a polynomial equation</a:t>
+              <a:t>Maximizing a function by finding the best weights for a polynomial equation</a:t>
             </a:r>
           </a:p>
           <a:p>
             <a:pPr lvl="1"/>
             <a:r>
-              <a:rPr lang="en-IN" dirty="0"/>
-              <a:t>Maximizing a function</a:t>
-            </a:r>
-          </a:p>
-          <a:p>
-            <a:pPr lvl="1"/>
-            <a:r>
-              <a:rPr lang="en-IN" dirty="0"/>
-              <a:t>Finding the best weights in a neural network for the Prediction of COVID -19 new cases</a:t>
-            </a:r>
+              <a:rPr lang="en-US" dirty="0"/>
+              <a:t>Visualizing Genetic Algorithm (if possible)</a:t>
+            </a:r>
+            <a:endParaRPr lang="en-IN" dirty="0"/>
           </a:p>
           <a:p>
             <a:pPr marL="457200" lvl="1" indent="0">
